--- a/trunk/preliminary/Working/presentations/multicoreConsiderationArm.pptx
+++ b/trunk/preliminary/Working/presentations/multicoreConsiderationArm.pptx
@@ -231,7 +231,7 @@
             <a:fld id="{1D310453-BEF8-464E-9AFA-92080550FFC9}" type="datetimeFigureOut">
               <a:rPr lang="en-US" smtClean="0"/>
               <a:pPr/>
-              <a:t>5/9/2013</a:t>
+              <a:t>5/14/2013</a:t>
             </a:fld>
             <a:endParaRPr lang="en-US" dirty="0"/>
           </a:p>
@@ -402,7 +402,7 @@
     </p:spTree>
     <p:extLst>
       <p:ext uri="{BB962C8B-B14F-4D97-AF65-F5344CB8AC3E}">
-        <p14:creationId xmlns:p14="http://schemas.microsoft.com/office/powerpoint/2010/main" xmlns="" val="1113577564"/>
+        <p14:creationId xmlns="" xmlns:p14="http://schemas.microsoft.com/office/powerpoint/2010/main" val="1113577564"/>
       </p:ext>
     </p:extLst>
   </p:cSld>
@@ -3666,7 +3666,19 @@
             <a:pPr eaLnBrk="1" hangingPunct="1"/>
             <a:r>
               <a:rPr lang="en-US" sz="2800" dirty="0" smtClean="0"/>
-              <a:t>Total input data (562.5K x 360) =~ 198MB</a:t>
+              <a:t>Total input data (562.5K x </a:t>
+            </a:r>
+            <a:r>
+              <a:rPr lang="en-US" sz="2800" dirty="0" smtClean="0"/>
+              <a:t>40</a:t>
+            </a:r>
+            <a:r>
+              <a:rPr lang="en-US" sz="2800" dirty="0" smtClean="0"/>
+              <a:t>0</a:t>
+            </a:r>
+            <a:r>
+              <a:rPr lang="en-US" sz="2800" dirty="0" smtClean="0"/>
+              <a:t>) =~ 198MB</a:t>
             </a:r>
           </a:p>
           <a:p>
@@ -3926,7 +3938,15 @@
             <a:pPr eaLnBrk="1" hangingPunct="1"/>
             <a:r>
               <a:rPr lang="en-US" sz="2400" dirty="0" smtClean="0"/>
-              <a:t>The operator need to verify that all the setting are correct and that the configuration is correct – he/she looks at single image at a time and change the image setting</a:t>
+              <a:t>The operator </a:t>
+            </a:r>
+            <a:r>
+              <a:rPr lang="en-US" sz="2400" dirty="0" smtClean="0"/>
+              <a:t>needs </a:t>
+            </a:r>
+            <a:r>
+              <a:rPr lang="en-US" sz="2400" dirty="0" smtClean="0"/>
+              <a:t>to verify that all the setting are correct and that the configuration is correct – he/she looks at single image at a time and change the image setting</a:t>
             </a:r>
           </a:p>
           <a:p>
@@ -5108,8 +5128,13 @@
             <a:pPr lvl="1" eaLnBrk="1" hangingPunct="1"/>
             <a:r>
               <a:rPr lang="en-US" sz="2000" dirty="0" smtClean="0"/>
-              <a:t>Some DSPs do preprocessing and some back projector (functional partition)</a:t>
-            </a:r>
+              <a:t>Some DSPs do preprocessing and some back projector (functional partition</a:t>
+            </a:r>
+            <a:r>
+              <a:rPr lang="en-US" sz="2000" dirty="0" smtClean="0"/>
+              <a:t>), Or</a:t>
+            </a:r>
+            <a:endParaRPr lang="en-US" sz="2000" dirty="0" smtClean="0"/>
           </a:p>
           <a:p>
             <a:pPr lvl="1" eaLnBrk="1" hangingPunct="1"/>
@@ -5343,7 +5368,15 @@
             <a:pPr lvl="1" eaLnBrk="1" hangingPunct="1"/>
             <a:r>
               <a:rPr lang="en-US" sz="1600" dirty="0" smtClean="0"/>
-              <a:t>Because of race conditions, each DSP has a local (private) image. At the end one DSP (or ARM) combine together all the local images. Private image resides outside of the core</a:t>
+              <a:t>Because of race conditions, each DSP has a local (private) image. At the end one DSP (or ARM) combine together all the local images. Private </a:t>
+            </a:r>
+            <a:r>
+              <a:rPr lang="en-US" sz="1600" dirty="0" smtClean="0"/>
+              <a:t>images resides </a:t>
+            </a:r>
+            <a:r>
+              <a:rPr lang="en-US" sz="1600" dirty="0" smtClean="0"/>
+              <a:t>outside of the core</a:t>
             </a:r>
           </a:p>
           <a:p>
@@ -5938,11 +5971,7 @@
           <a:p>
             <a:r>
               <a:rPr lang="en-US" sz="3600" dirty="0" smtClean="0"/>
-              <a:t>Computerized </a:t>
-            </a:r>
-            <a:r>
-              <a:rPr lang="en-US" sz="3600" dirty="0" smtClean="0"/>
-              <a:t>Tomography – Trauma case</a:t>
+              <a:t>Computerized Tomography – Trauma case</a:t>
             </a:r>
             <a:endParaRPr lang="en-US" sz="3600" dirty="0"/>
           </a:p>
@@ -5972,15 +6001,7 @@
                   <a:schemeClr val="tx1"/>
                 </a:solidFill>
               </a:rPr>
-              <a:t>Scanning </a:t>
-            </a:r>
-            <a:r>
-              <a:rPr lang="en-US" sz="2800" dirty="0" smtClean="0">
-                <a:solidFill>
-                  <a:schemeClr val="tx1"/>
-                </a:solidFill>
-              </a:rPr>
-              <a:t>hundreds slices to find if there is internal damage. Each slice takes about a second</a:t>
+              <a:t>Scanning hundreds slices to find if there is internal damage. Each slice takes about a second</a:t>
             </a:r>
           </a:p>
           <a:p>
